--- a/documentation/Presentation/Presentation_v1.pptx
+++ b/documentation/Presentation/Presentation_v1.pptx
@@ -6267,11 +6267,7 @@
             </a:pPr>
             <a:r>
               <a:rPr lang="en-GB" sz="1200" dirty="0" smtClean="0"/>
-              <a:t>M4: Must accept user input to specify grid </a:t>
-            </a:r>
-            <a:r>
-              <a:rPr lang="en-GB" sz="1200" dirty="0" smtClean="0"/>
-              <a:t>dimensions (</a:t>
+              <a:t>M4: Must accept user input to specify grid dimensions (</a:t>
             </a:r>
             <a:r>
               <a:rPr lang="en-GB" sz="1200" dirty="0" err="1" smtClean="0"/>
@@ -6279,28 +6275,16 @@
             </a:r>
             <a:r>
               <a:rPr lang="en-GB" sz="1200" dirty="0" smtClean="0"/>
-              <a:t> independently) equal or greate</a:t>
-            </a:r>
+              <a:t> independently) equal or greater than 0 and equal or less than 100,000. </a:t>
+            </a:r>
+          </a:p>
+          <a:p>
+            <a:pPr marL="0" indent="0">
+              <a:buNone/>
+            </a:pPr>
             <a:r>
               <a:rPr lang="en-GB" sz="1200" dirty="0" smtClean="0"/>
-              <a:t>r than 0 and equal or less than 100,000.</a:t>
-            </a:r>
-            <a:r>
-              <a:rPr lang="en-GB" sz="1200" dirty="0" smtClean="0"/>
-              <a:t> </a:t>
-            </a:r>
-          </a:p>
-          <a:p>
-            <a:pPr marL="0" indent="0">
-              <a:buNone/>
-            </a:pPr>
-            <a:r>
-              <a:rPr lang="en-GB" sz="1200" dirty="0" smtClean="0"/>
-              <a:t>M5</a:t>
-            </a:r>
-            <a:r>
-              <a:rPr lang="en-GB" sz="1200" dirty="0" smtClean="0"/>
-              <a:t>: Customer must be at (0,0)</a:t>
+              <a:t>M5: Customer must be at (0,0)</a:t>
             </a:r>
           </a:p>
           <a:p>
@@ -6455,13 +6439,8 @@
           <a:p>
             <a:r>
               <a:rPr lang="en-GB" sz="1600" dirty="0" smtClean="0"/>
-              <a:t>Assumed that the </a:t>
-            </a:r>
-            <a:r>
-              <a:rPr lang="en-GB" sz="1600" dirty="0" smtClean="0"/>
-              <a:t>grid inputs are independent.</a:t>
-            </a:r>
-            <a:endParaRPr lang="en-GB" sz="1600" dirty="0" smtClean="0"/>
+              <a:t>Assumed that the grid inputs are independent.</a:t>
+            </a:r>
           </a:p>
           <a:p>
             <a:r>
@@ -6877,7 +6856,7 @@
       </p:sp>
       <p:pic>
         <p:nvPicPr>
-          <p:cNvPr id="5" name="Picture 4"/>
+          <p:cNvPr id="6" name="Picture 5"/>
           <p:cNvPicPr>
             <a:picLocks noChangeAspect="1"/>
           </p:cNvPicPr>
@@ -6891,13 +6870,13 @@
               </a:ext>
             </a:extLst>
           </a:blip>
-          <a:srcRect t="29100" r="14170" b="29723"/>
+          <a:srcRect l="2609" t="28670" r="5217" b="14694"/>
           <a:stretch/>
         </p:blipFill>
         <p:spPr>
           <a:xfrm>
-            <a:off x="646111" y="2894277"/>
-            <a:ext cx="10872344" cy="2934028"/>
+            <a:off x="381246" y="2655295"/>
+            <a:ext cx="10973632" cy="3792774"/>
           </a:xfrm>
           <a:prstGeom prst="rect">
             <a:avLst/>

--- a/documentation/Presentation/Presentation_v1.pptx
+++ b/documentation/Presentation/Presentation_v1.pptx
@@ -6770,40 +6770,30 @@
           <a:p>
             <a:r>
               <a:rPr lang="en-GB" dirty="0" smtClean="0"/>
-              <a:t>Effort estimates</a:t>
+              <a:t>Specifications:</a:t>
+            </a:r>
+            <a:r>
+              <a:rPr lang="en-GB" dirty="0" smtClean="0"/>
+              <a:t/>
             </a:r>
             <a:br>
               <a:rPr lang="en-GB" dirty="0" smtClean="0"/>
             </a:br>
             <a:r>
               <a:rPr lang="en-GB" dirty="0" smtClean="0"/>
-              <a:t>Development &amp; Testing</a:t>
-            </a:r>
-            <a:endParaRPr lang="en-GB" dirty="0"/>
-          </a:p>
-        </p:txBody>
-      </p:sp>
-      <p:sp>
-        <p:nvSpPr>
-          <p:cNvPr id="3" name="Content Placeholder 2"/>
-          <p:cNvSpPr>
-            <a:spLocks noGrp="1"/>
-          </p:cNvSpPr>
-          <p:nvPr>
-            <p:ph idx="1"/>
-          </p:nvPr>
-        </p:nvSpPr>
-        <p:spPr/>
-        <p:txBody>
-          <a:bodyPr/>
-          <a:lstStyle/>
-          <a:p>
+              <a:t>Development &amp; </a:t>
+            </a:r>
             <a:r>
               <a:rPr lang="en-GB" dirty="0" smtClean="0"/>
-              <a:t>BDD (Behaviour driven development)</a:t>
-            </a:r>
-          </a:p>
-          <a:p>
+              <a:t>Testing</a:t>
+            </a:r>
+            <a:br>
+              <a:rPr lang="en-GB" dirty="0" smtClean="0"/>
+            </a:br>
+            <a:r>
+              <a:rPr lang="en-GB" sz="2000" dirty="0" smtClean="0"/>
+              <a:t>and effort estimates</a:t>
+            </a:r>
             <a:endParaRPr lang="en-GB" dirty="0"/>
           </a:p>
         </p:txBody>
@@ -6875,7 +6865,7 @@
         </p:blipFill>
         <p:spPr>
           <a:xfrm>
-            <a:off x="381246" y="2655295"/>
+            <a:off x="365343" y="2432658"/>
             <a:ext cx="10973632" cy="3792774"/>
           </a:xfrm>
           <a:prstGeom prst="rect">
